--- a/i10 - Praise Him, Praise Him.pptx
+++ b/i10 - Praise Him, Praise Him.pptx
@@ -3102,7 +3102,7 @@
                   <a:schemeClr val="bg1"/>
                 </a:solidFill>
               </a:rPr>
-              <a:t>Sing, O Earth, His wonderful love proclaim!</a:t>
+              <a:t>Sing, O Earth; His wonderful love proclaim!</a:t>
             </a:r>
           </a:p>
           <a:p>
@@ -4004,23 +4004,7 @@
                   <a:schemeClr val="bg1"/>
                 </a:solidFill>
               </a:rPr>
-              <a:t>Jesus, Savior, </a:t>
-            </a:r>
-            <a:r>
-              <a:rPr lang="en-US" sz="3600" dirty="0" err="1">
-                <a:solidFill>
-                  <a:schemeClr val="bg1"/>
-                </a:solidFill>
-              </a:rPr>
-              <a:t>reigneth</a:t>
-            </a:r>
-            <a:r>
-              <a:rPr lang="en-US" sz="3600" dirty="0">
-                <a:solidFill>
-                  <a:schemeClr val="bg1"/>
-                </a:solidFill>
-              </a:rPr>
-              <a:t> forever and ever;</a:t>
+              <a:t>Jesus, Savior, reigneth forever and ever;</a:t>
             </a:r>
           </a:p>
           <a:p>

--- a/i10 - Praise Him, Praise Him.pptx
+++ b/i10 - Praise Him, Praise Him.pptx
@@ -250,7 +250,7 @@
           <a:p>
             <a:fld id="{32F7251A-AE54-443C-B8FE-5F636E835EBF}" type="datetimeFigureOut">
               <a:rPr lang="en-US" smtClean="0"/>
-              <a:t>6/13/2017</a:t>
+              <a:t>8/5/2017</a:t>
             </a:fld>
             <a:endParaRPr lang="en-US"/>
           </a:p>
@@ -418,7 +418,7 @@
           <a:p>
             <a:fld id="{32F7251A-AE54-443C-B8FE-5F636E835EBF}" type="datetimeFigureOut">
               <a:rPr lang="en-US" smtClean="0"/>
-              <a:t>6/13/2017</a:t>
+              <a:t>8/5/2017</a:t>
             </a:fld>
             <a:endParaRPr lang="en-US"/>
           </a:p>
@@ -596,7 +596,7 @@
           <a:p>
             <a:fld id="{32F7251A-AE54-443C-B8FE-5F636E835EBF}" type="datetimeFigureOut">
               <a:rPr lang="en-US" smtClean="0"/>
-              <a:t>6/13/2017</a:t>
+              <a:t>8/5/2017</a:t>
             </a:fld>
             <a:endParaRPr lang="en-US"/>
           </a:p>
@@ -764,7 +764,7 @@
           <a:p>
             <a:fld id="{32F7251A-AE54-443C-B8FE-5F636E835EBF}" type="datetimeFigureOut">
               <a:rPr lang="en-US" smtClean="0"/>
-              <a:t>6/13/2017</a:t>
+              <a:t>8/5/2017</a:t>
             </a:fld>
             <a:endParaRPr lang="en-US"/>
           </a:p>
@@ -1009,7 +1009,7 @@
           <a:p>
             <a:fld id="{32F7251A-AE54-443C-B8FE-5F636E835EBF}" type="datetimeFigureOut">
               <a:rPr lang="en-US" smtClean="0"/>
-              <a:t>6/13/2017</a:t>
+              <a:t>8/5/2017</a:t>
             </a:fld>
             <a:endParaRPr lang="en-US"/>
           </a:p>
@@ -1238,7 +1238,7 @@
           <a:p>
             <a:fld id="{32F7251A-AE54-443C-B8FE-5F636E835EBF}" type="datetimeFigureOut">
               <a:rPr lang="en-US" smtClean="0"/>
-              <a:t>6/13/2017</a:t>
+              <a:t>8/5/2017</a:t>
             </a:fld>
             <a:endParaRPr lang="en-US"/>
           </a:p>
@@ -1602,7 +1602,7 @@
           <a:p>
             <a:fld id="{32F7251A-AE54-443C-B8FE-5F636E835EBF}" type="datetimeFigureOut">
               <a:rPr lang="en-US" smtClean="0"/>
-              <a:t>6/13/2017</a:t>
+              <a:t>8/5/2017</a:t>
             </a:fld>
             <a:endParaRPr lang="en-US"/>
           </a:p>
@@ -1719,7 +1719,7 @@
           <a:p>
             <a:fld id="{32F7251A-AE54-443C-B8FE-5F636E835EBF}" type="datetimeFigureOut">
               <a:rPr lang="en-US" smtClean="0"/>
-              <a:t>6/13/2017</a:t>
+              <a:t>8/5/2017</a:t>
             </a:fld>
             <a:endParaRPr lang="en-US"/>
           </a:p>
@@ -1814,7 +1814,7 @@
           <a:p>
             <a:fld id="{32F7251A-AE54-443C-B8FE-5F636E835EBF}" type="datetimeFigureOut">
               <a:rPr lang="en-US" smtClean="0"/>
-              <a:t>6/13/2017</a:t>
+              <a:t>8/5/2017</a:t>
             </a:fld>
             <a:endParaRPr lang="en-US"/>
           </a:p>
@@ -2089,7 +2089,7 @@
           <a:p>
             <a:fld id="{32F7251A-AE54-443C-B8FE-5F636E835EBF}" type="datetimeFigureOut">
               <a:rPr lang="en-US" smtClean="0"/>
-              <a:t>6/13/2017</a:t>
+              <a:t>8/5/2017</a:t>
             </a:fld>
             <a:endParaRPr lang="en-US"/>
           </a:p>
@@ -2341,7 +2341,7 @@
           <a:p>
             <a:fld id="{32F7251A-AE54-443C-B8FE-5F636E835EBF}" type="datetimeFigureOut">
               <a:rPr lang="en-US" smtClean="0"/>
-              <a:t>6/13/2017</a:t>
+              <a:t>8/5/2017</a:t>
             </a:fld>
             <a:endParaRPr lang="en-US"/>
           </a:p>
@@ -2555,7 +2555,7 @@
           <a:p>
             <a:fld id="{32F7251A-AE54-443C-B8FE-5F636E835EBF}" type="datetimeFigureOut">
               <a:rPr lang="en-US" smtClean="0"/>
-              <a:t>6/13/2017</a:t>
+              <a:t>8/5/2017</a:t>
             </a:fld>
             <a:endParaRPr lang="en-US"/>
           </a:p>

--- a/i10 - Praise Him, Praise Him.pptx
+++ b/i10 - Praise Him, Praise Him.pptx
@@ -250,7 +250,7 @@
           <a:p>
             <a:fld id="{32F7251A-AE54-443C-B8FE-5F636E835EBF}" type="datetimeFigureOut">
               <a:rPr lang="en-US" smtClean="0"/>
-              <a:t>8/5/2017</a:t>
+              <a:t>2/4/2018</a:t>
             </a:fld>
             <a:endParaRPr lang="en-US"/>
           </a:p>
@@ -418,7 +418,7 @@
           <a:p>
             <a:fld id="{32F7251A-AE54-443C-B8FE-5F636E835EBF}" type="datetimeFigureOut">
               <a:rPr lang="en-US" smtClean="0"/>
-              <a:t>8/5/2017</a:t>
+              <a:t>2/4/2018</a:t>
             </a:fld>
             <a:endParaRPr lang="en-US"/>
           </a:p>
@@ -596,7 +596,7 @@
           <a:p>
             <a:fld id="{32F7251A-AE54-443C-B8FE-5F636E835EBF}" type="datetimeFigureOut">
               <a:rPr lang="en-US" smtClean="0"/>
-              <a:t>8/5/2017</a:t>
+              <a:t>2/4/2018</a:t>
             </a:fld>
             <a:endParaRPr lang="en-US"/>
           </a:p>
@@ -764,7 +764,7 @@
           <a:p>
             <a:fld id="{32F7251A-AE54-443C-B8FE-5F636E835EBF}" type="datetimeFigureOut">
               <a:rPr lang="en-US" smtClean="0"/>
-              <a:t>8/5/2017</a:t>
+              <a:t>2/4/2018</a:t>
             </a:fld>
             <a:endParaRPr lang="en-US"/>
           </a:p>
@@ -1009,7 +1009,7 @@
           <a:p>
             <a:fld id="{32F7251A-AE54-443C-B8FE-5F636E835EBF}" type="datetimeFigureOut">
               <a:rPr lang="en-US" smtClean="0"/>
-              <a:t>8/5/2017</a:t>
+              <a:t>2/4/2018</a:t>
             </a:fld>
             <a:endParaRPr lang="en-US"/>
           </a:p>
@@ -1238,7 +1238,7 @@
           <a:p>
             <a:fld id="{32F7251A-AE54-443C-B8FE-5F636E835EBF}" type="datetimeFigureOut">
               <a:rPr lang="en-US" smtClean="0"/>
-              <a:t>8/5/2017</a:t>
+              <a:t>2/4/2018</a:t>
             </a:fld>
             <a:endParaRPr lang="en-US"/>
           </a:p>
@@ -1602,7 +1602,7 @@
           <a:p>
             <a:fld id="{32F7251A-AE54-443C-B8FE-5F636E835EBF}" type="datetimeFigureOut">
               <a:rPr lang="en-US" smtClean="0"/>
-              <a:t>8/5/2017</a:t>
+              <a:t>2/4/2018</a:t>
             </a:fld>
             <a:endParaRPr lang="en-US"/>
           </a:p>
@@ -1719,7 +1719,7 @@
           <a:p>
             <a:fld id="{32F7251A-AE54-443C-B8FE-5F636E835EBF}" type="datetimeFigureOut">
               <a:rPr lang="en-US" smtClean="0"/>
-              <a:t>8/5/2017</a:t>
+              <a:t>2/4/2018</a:t>
             </a:fld>
             <a:endParaRPr lang="en-US"/>
           </a:p>
@@ -1814,7 +1814,7 @@
           <a:p>
             <a:fld id="{32F7251A-AE54-443C-B8FE-5F636E835EBF}" type="datetimeFigureOut">
               <a:rPr lang="en-US" smtClean="0"/>
-              <a:t>8/5/2017</a:t>
+              <a:t>2/4/2018</a:t>
             </a:fld>
             <a:endParaRPr lang="en-US"/>
           </a:p>
@@ -2089,7 +2089,7 @@
           <a:p>
             <a:fld id="{32F7251A-AE54-443C-B8FE-5F636E835EBF}" type="datetimeFigureOut">
               <a:rPr lang="en-US" smtClean="0"/>
-              <a:t>8/5/2017</a:t>
+              <a:t>2/4/2018</a:t>
             </a:fld>
             <a:endParaRPr lang="en-US"/>
           </a:p>
@@ -2341,7 +2341,7 @@
           <a:p>
             <a:fld id="{32F7251A-AE54-443C-B8FE-5F636E835EBF}" type="datetimeFigureOut">
               <a:rPr lang="en-US" smtClean="0"/>
-              <a:t>8/5/2017</a:t>
+              <a:t>2/4/2018</a:t>
             </a:fld>
             <a:endParaRPr lang="en-US"/>
           </a:p>
@@ -2555,7 +2555,7 @@
           <a:p>
             <a:fld id="{32F7251A-AE54-443C-B8FE-5F636E835EBF}" type="datetimeFigureOut">
               <a:rPr lang="en-US" smtClean="0"/>
-              <a:t>8/5/2017</a:t>
+              <a:t>2/4/2018</a:t>
             </a:fld>
             <a:endParaRPr lang="en-US"/>
           </a:p>
@@ -3298,7 +3298,23 @@
                   <a:schemeClr val="bg1"/>
                 </a:solidFill>
               </a:rPr>
-              <a:t>Like a shepherd, Jesus will guide His children,</a:t>
+              <a:t>Like a shepherd, Jesus </a:t>
+            </a:r>
+            <a:r>
+              <a:rPr lang="en-US" sz="3600">
+                <a:solidFill>
+                  <a:schemeClr val="bg1"/>
+                </a:solidFill>
+              </a:rPr>
+              <a:t>will guard </a:t>
+            </a:r>
+            <a:r>
+              <a:rPr lang="en-US" sz="3600" dirty="0">
+                <a:solidFill>
+                  <a:schemeClr val="bg1"/>
+                </a:solidFill>
+              </a:rPr>
+              <a:t>His children,</a:t>
             </a:r>
           </a:p>
           <a:p>

--- a/i10 - Praise Him, Praise Him.pptx
+++ b/i10 - Praise Him, Praise Him.pptx
@@ -6,11 +6,11 @@
   </p:sldMasterIdLst>
   <p:sldIdLst>
     <p:sldId id="256" r:id="rId2"/>
-    <p:sldId id="257" r:id="rId3"/>
-    <p:sldId id="258" r:id="rId4"/>
-    <p:sldId id="259" r:id="rId5"/>
-    <p:sldId id="260" r:id="rId6"/>
-    <p:sldId id="261" r:id="rId7"/>
+    <p:sldId id="262" r:id="rId3"/>
+    <p:sldId id="263" r:id="rId4"/>
+    <p:sldId id="264" r:id="rId5"/>
+    <p:sldId id="265" r:id="rId6"/>
+    <p:sldId id="266" r:id="rId7"/>
   </p:sldIdLst>
   <p:sldSz cx="12192000" cy="6858000"/>
   <p:notesSz cx="6858000" cy="9144000"/>
@@ -117,10 +117,6 @@
 </p:presentation>
 </file>
 
-<file path=ppt/revisionInfo.xml><?xml version="1.0" encoding="utf-8"?>
-<p1510:revInfo xmlns:a="http://schemas.openxmlformats.org/drawingml/2006/main" xmlns:r="http://schemas.openxmlformats.org/officeDocument/2006/relationships" xmlns:p1510="http://schemas.microsoft.com/office/powerpoint/2015/10/main"/>
-</file>
-
 <file path=ppt/slideLayouts/slideLayout1.xml><?xml version="1.0" encoding="utf-8"?>
 <p:sldLayout xmlns:a="http://schemas.openxmlformats.org/drawingml/2006/main" xmlns:r="http://schemas.openxmlformats.org/officeDocument/2006/relationships" xmlns:p="http://schemas.openxmlformats.org/presentationml/2006/main" type="title" preserve="1">
   <p:cSld name="Title Slide">
@@ -250,7 +246,7 @@
           <a:p>
             <a:fld id="{32F7251A-AE54-443C-B8FE-5F636E835EBF}" type="datetimeFigureOut">
               <a:rPr lang="en-US" smtClean="0"/>
-              <a:t>2/4/2018</a:t>
+              <a:t>2/16/2020</a:t>
             </a:fld>
             <a:endParaRPr lang="en-US"/>
           </a:p>
@@ -418,7 +414,7 @@
           <a:p>
             <a:fld id="{32F7251A-AE54-443C-B8FE-5F636E835EBF}" type="datetimeFigureOut">
               <a:rPr lang="en-US" smtClean="0"/>
-              <a:t>2/4/2018</a:t>
+              <a:t>2/16/2020</a:t>
             </a:fld>
             <a:endParaRPr lang="en-US"/>
           </a:p>
@@ -596,7 +592,7 @@
           <a:p>
             <a:fld id="{32F7251A-AE54-443C-B8FE-5F636E835EBF}" type="datetimeFigureOut">
               <a:rPr lang="en-US" smtClean="0"/>
-              <a:t>2/4/2018</a:t>
+              <a:t>2/16/2020</a:t>
             </a:fld>
             <a:endParaRPr lang="en-US"/>
           </a:p>
@@ -764,7 +760,7 @@
           <a:p>
             <a:fld id="{32F7251A-AE54-443C-B8FE-5F636E835EBF}" type="datetimeFigureOut">
               <a:rPr lang="en-US" smtClean="0"/>
-              <a:t>2/4/2018</a:t>
+              <a:t>2/16/2020</a:t>
             </a:fld>
             <a:endParaRPr lang="en-US"/>
           </a:p>
@@ -1009,7 +1005,7 @@
           <a:p>
             <a:fld id="{32F7251A-AE54-443C-B8FE-5F636E835EBF}" type="datetimeFigureOut">
               <a:rPr lang="en-US" smtClean="0"/>
-              <a:t>2/4/2018</a:t>
+              <a:t>2/16/2020</a:t>
             </a:fld>
             <a:endParaRPr lang="en-US"/>
           </a:p>
@@ -1238,7 +1234,7 @@
           <a:p>
             <a:fld id="{32F7251A-AE54-443C-B8FE-5F636E835EBF}" type="datetimeFigureOut">
               <a:rPr lang="en-US" smtClean="0"/>
-              <a:t>2/4/2018</a:t>
+              <a:t>2/16/2020</a:t>
             </a:fld>
             <a:endParaRPr lang="en-US"/>
           </a:p>
@@ -1602,7 +1598,7 @@
           <a:p>
             <a:fld id="{32F7251A-AE54-443C-B8FE-5F636E835EBF}" type="datetimeFigureOut">
               <a:rPr lang="en-US" smtClean="0"/>
-              <a:t>2/4/2018</a:t>
+              <a:t>2/16/2020</a:t>
             </a:fld>
             <a:endParaRPr lang="en-US"/>
           </a:p>
@@ -1719,7 +1715,7 @@
           <a:p>
             <a:fld id="{32F7251A-AE54-443C-B8FE-5F636E835EBF}" type="datetimeFigureOut">
               <a:rPr lang="en-US" smtClean="0"/>
-              <a:t>2/4/2018</a:t>
+              <a:t>2/16/2020</a:t>
             </a:fld>
             <a:endParaRPr lang="en-US"/>
           </a:p>
@@ -1814,7 +1810,7 @@
           <a:p>
             <a:fld id="{32F7251A-AE54-443C-B8FE-5F636E835EBF}" type="datetimeFigureOut">
               <a:rPr lang="en-US" smtClean="0"/>
-              <a:t>2/4/2018</a:t>
+              <a:t>2/16/2020</a:t>
             </a:fld>
             <a:endParaRPr lang="en-US"/>
           </a:p>
@@ -2089,7 +2085,7 @@
           <a:p>
             <a:fld id="{32F7251A-AE54-443C-B8FE-5F636E835EBF}" type="datetimeFigureOut">
               <a:rPr lang="en-US" smtClean="0"/>
-              <a:t>2/4/2018</a:t>
+              <a:t>2/16/2020</a:t>
             </a:fld>
             <a:endParaRPr lang="en-US"/>
           </a:p>
@@ -2341,7 +2337,7 @@
           <a:p>
             <a:fld id="{32F7251A-AE54-443C-B8FE-5F636E835EBF}" type="datetimeFigureOut">
               <a:rPr lang="en-US" smtClean="0"/>
-              <a:t>2/4/2018</a:t>
+              <a:t>2/16/2020</a:t>
             </a:fld>
             <a:endParaRPr lang="en-US"/>
           </a:p>
@@ -2408,7 +2404,9 @@
     <p:bg>
       <p:bgPr>
         <a:solidFill>
-          <a:srgbClr val="333333"/>
+          <a:schemeClr val="bg1">
+            <a:lumMod val="10000"/>
+          </a:schemeClr>
         </a:solidFill>
         <a:effectLst/>
       </p:bgPr>
@@ -2555,7 +2553,7 @@
           <a:p>
             <a:fld id="{32F7251A-AE54-443C-B8FE-5F636E835EBF}" type="datetimeFigureOut">
               <a:rPr lang="en-US" smtClean="0"/>
-              <a:t>2/4/2018</a:t>
+              <a:t>2/16/2020</a:t>
             </a:fld>
             <a:endParaRPr lang="en-US"/>
           </a:p>
@@ -3019,14 +3017,14 @@
       </p:sp>
       <p:sp>
         <p:nvSpPr>
-          <p:cNvPr id="7" name="TextBox 6"/>
+          <p:cNvPr id="8" name="TextBox 7"/>
           <p:cNvSpPr txBox="1"/>
           <p:nvPr/>
         </p:nvSpPr>
         <p:spPr>
           <a:xfrm>
-            <a:off x="0" y="5804209"/>
-            <a:ext cx="12192000" cy="830997"/>
+            <a:off x="0" y="1179450"/>
+            <a:ext cx="12192000" cy="3231654"/>
           </a:xfrm>
           <a:prstGeom prst="rect">
             <a:avLst/>
@@ -3034,33 +3032,80 @@
           <a:noFill/>
         </p:spPr>
         <p:txBody>
-          <a:bodyPr wrap="square" rtlCol="0" anchor="ctr">
+          <a:bodyPr wrap="square" rtlCol="0">
             <a:spAutoFit/>
           </a:bodyPr>
-          <a:lstStyle/>
-          <a:p>
-            <a:pPr algn="ctr"/>
-            <a:r>
-              <a:rPr lang="en-US" sz="4800" dirty="0">
+          <a:lstStyle>
+            <a:defPPr>
+              <a:defRPr lang="en-US"/>
+            </a:defPPr>
+            <a:lvl1pPr algn="ctr">
+              <a:defRPr sz="2800" spc="50">
                 <a:solidFill>
                   <a:schemeClr val="bg1"/>
                 </a:solidFill>
-              </a:rPr>
-              <a:t>“Praise Him, Praise Him”</a:t>
-            </a:r>
-          </a:p>
-        </p:txBody>
-      </p:sp>
-      <p:sp>
-        <p:nvSpPr>
-          <p:cNvPr id="8" name="TextBox 7"/>
+                <a:latin typeface="Assistant" panose="00000500000000000000" pitchFamily="2" charset="-79"/>
+                <a:cs typeface="Assistant" panose="00000500000000000000" pitchFamily="2" charset="-79"/>
+              </a:defRPr>
+            </a:lvl1pPr>
+          </a:lstStyle>
+          <a:p>
+            <a:r>
+              <a:rPr lang="en-US" dirty="0"/>
+              <a:t>Praise Him, Praise Him,</a:t>
+            </a:r>
+          </a:p>
+          <a:p>
+            <a:r>
+              <a:rPr lang="en-US" dirty="0"/>
+              <a:t>Jesus our blessed Redeemer!</a:t>
+            </a:r>
+          </a:p>
+          <a:p>
+            <a:r>
+              <a:rPr lang="en-US" dirty="0"/>
+              <a:t>Sing, O Earth; His wonderful love proclaim!</a:t>
+            </a:r>
+          </a:p>
+          <a:p>
+            <a:endParaRPr lang="en-US" dirty="0"/>
+          </a:p>
+          <a:p>
+            <a:r>
+              <a:rPr lang="en-US" dirty="0"/>
+              <a:t>Hail Him, Hail Him,</a:t>
+            </a:r>
+          </a:p>
+          <a:p>
+            <a:r>
+              <a:rPr lang="en-US" dirty="0"/>
+              <a:t>Highest archangels in glory!</a:t>
+            </a:r>
+          </a:p>
+          <a:p>
+            <a:r>
+              <a:rPr lang="en-US" dirty="0"/>
+              <a:t>Strength and honor give to His holy name!</a:t>
+            </a:r>
+          </a:p>
+        </p:txBody>
+      </p:sp>
+      <p:sp>
+        <p:nvSpPr>
+          <p:cNvPr id="5" name="TextBox 4">
+            <a:extLst>
+              <a:ext uri="{FF2B5EF4-FFF2-40B4-BE49-F238E27FC236}">
+                <a16:creationId xmlns:a16="http://schemas.microsoft.com/office/drawing/2014/main" id="{0811946A-41D9-43B3-BED4-E68229A13C08}"/>
+              </a:ext>
+            </a:extLst>
+          </p:cNvPr>
           <p:cNvSpPr txBox="1"/>
           <p:nvPr/>
         </p:nvSpPr>
         <p:spPr>
           <a:xfrm>
-            <a:off x="0" y="783210"/>
-            <a:ext cx="12192000" cy="3970318"/>
+            <a:off x="0" y="5927320"/>
+            <a:ext cx="12192000" cy="584775"/>
           </a:xfrm>
           <a:prstGeom prst="rect">
             <a:avLst/>
@@ -3068,82 +3113,27 @@
           <a:noFill/>
         </p:spPr>
         <p:txBody>
-          <a:bodyPr wrap="square" rtlCol="0">
+          <a:bodyPr wrap="square" rtlCol="0" anchor="ctr">
             <a:spAutoFit/>
           </a:bodyPr>
-          <a:lstStyle/>
-          <a:p>
-            <a:pPr algn="ctr"/>
-            <a:r>
-              <a:rPr lang="en-US" sz="3600" dirty="0">
+          <a:lstStyle>
+            <a:defPPr>
+              <a:defRPr lang="en-US"/>
+            </a:defPPr>
+            <a:lvl1pPr algn="ctr">
+              <a:defRPr sz="3200" u="sng">
                 <a:solidFill>
                   <a:schemeClr val="bg1"/>
                 </a:solidFill>
-              </a:rPr>
-              <a:t>Praise Him, Praise Him,</a:t>
-            </a:r>
-          </a:p>
-          <a:p>
-            <a:pPr algn="ctr"/>
-            <a:r>
-              <a:rPr lang="en-US" sz="3600" dirty="0">
-                <a:solidFill>
-                  <a:schemeClr val="bg1"/>
-                </a:solidFill>
-              </a:rPr>
-              <a:t>Jesus our blessed Redeemer!</a:t>
-            </a:r>
-          </a:p>
-          <a:p>
-            <a:pPr algn="ctr"/>
-            <a:r>
-              <a:rPr lang="en-US" sz="3600" dirty="0">
-                <a:solidFill>
-                  <a:schemeClr val="bg1"/>
-                </a:solidFill>
-              </a:rPr>
-              <a:t>Sing, O Earth; His wonderful love proclaim!</a:t>
-            </a:r>
-          </a:p>
-          <a:p>
-            <a:pPr algn="ctr"/>
-            <a:endParaRPr lang="en-US" sz="3600" dirty="0">
-              <a:solidFill>
-                <a:schemeClr val="bg1"/>
-              </a:solidFill>
-            </a:endParaRPr>
-          </a:p>
-          <a:p>
-            <a:pPr algn="ctr"/>
-            <a:r>
-              <a:rPr lang="en-US" sz="3600" dirty="0">
-                <a:solidFill>
-                  <a:schemeClr val="bg1"/>
-                </a:solidFill>
-              </a:rPr>
-              <a:t>Hail Him, Hail Him,</a:t>
-            </a:r>
-          </a:p>
-          <a:p>
-            <a:pPr algn="ctr"/>
-            <a:r>
-              <a:rPr lang="en-US" sz="3600" dirty="0">
-                <a:solidFill>
-                  <a:schemeClr val="bg1"/>
-                </a:solidFill>
-              </a:rPr>
-              <a:t>Highest archangels in glory!</a:t>
-            </a:r>
-          </a:p>
-          <a:p>
-            <a:pPr algn="ctr"/>
-            <a:r>
-              <a:rPr lang="en-US" sz="3600" dirty="0">
-                <a:solidFill>
-                  <a:schemeClr val="bg1"/>
-                </a:solidFill>
-              </a:rPr>
-              <a:t>Strength and honor give to His holy name!</a:t>
+                <a:latin typeface="Assistant SemiBold" panose="00000700000000000000" pitchFamily="2" charset="-79"/>
+                <a:cs typeface="Assistant SemiBold" panose="00000700000000000000" pitchFamily="2" charset="-79"/>
+              </a:defRPr>
+            </a:lvl1pPr>
+          </a:lstStyle>
+          <a:p>
+            <a:r>
+              <a:rPr lang="en-US" dirty="0"/>
+              <a:t>“Praise Him, Praise Him”</a:t>
             </a:r>
           </a:p>
         </p:txBody>
@@ -3237,14 +3227,14 @@
       </p:sp>
       <p:sp>
         <p:nvSpPr>
-          <p:cNvPr id="7" name="TextBox 6"/>
+          <p:cNvPr id="8" name="TextBox 7"/>
           <p:cNvSpPr txBox="1"/>
           <p:nvPr/>
         </p:nvSpPr>
         <p:spPr>
           <a:xfrm>
-            <a:off x="0" y="5804209"/>
-            <a:ext cx="12192000" cy="830997"/>
+            <a:off x="0" y="1179450"/>
+            <a:ext cx="12192000" cy="3108543"/>
           </a:xfrm>
           <a:prstGeom prst="rect">
             <a:avLst/>
@@ -3252,33 +3242,80 @@
           <a:noFill/>
         </p:spPr>
         <p:txBody>
-          <a:bodyPr wrap="square" rtlCol="0" anchor="ctr">
+          <a:bodyPr wrap="square" rtlCol="0">
             <a:spAutoFit/>
           </a:bodyPr>
-          <a:lstStyle/>
-          <a:p>
-            <a:pPr algn="ctr"/>
-            <a:r>
-              <a:rPr lang="en-US" sz="4800" dirty="0">
+          <a:lstStyle>
+            <a:defPPr>
+              <a:defRPr lang="en-US"/>
+            </a:defPPr>
+            <a:lvl1pPr algn="ctr">
+              <a:defRPr sz="2800" spc="50">
                 <a:solidFill>
                   <a:schemeClr val="bg1"/>
                 </a:solidFill>
-              </a:rPr>
-              <a:t>“Praise Him, Praise Him”</a:t>
-            </a:r>
-          </a:p>
-        </p:txBody>
-      </p:sp>
-      <p:sp>
-        <p:nvSpPr>
-          <p:cNvPr id="8" name="TextBox 7"/>
+                <a:latin typeface="Assistant" panose="00000500000000000000" pitchFamily="2" charset="-79"/>
+                <a:cs typeface="Assistant" panose="00000500000000000000" pitchFamily="2" charset="-79"/>
+              </a:defRPr>
+            </a:lvl1pPr>
+          </a:lstStyle>
+          <a:p>
+            <a:r>
+              <a:rPr lang="en-US" dirty="0"/>
+              <a:t>Like a shepherd, Jesus will guard His children,</a:t>
+            </a:r>
+          </a:p>
+          <a:p>
+            <a:r>
+              <a:rPr lang="en-US" dirty="0"/>
+              <a:t>In His arms, He carries them all day long.</a:t>
+            </a:r>
+          </a:p>
+          <a:p>
+            <a:endParaRPr lang="en-US" dirty="0"/>
+          </a:p>
+          <a:p>
+            <a:r>
+              <a:rPr lang="en-US" dirty="0"/>
+              <a:t>Praise Him, Praise Him,</a:t>
+            </a:r>
+          </a:p>
+          <a:p>
+            <a:r>
+              <a:rPr lang="en-US" dirty="0"/>
+              <a:t>Tell of His excellent greatness;</a:t>
+            </a:r>
+          </a:p>
+          <a:p>
+            <a:r>
+              <a:rPr lang="en-US" dirty="0"/>
+              <a:t>Praise Him, Praise Him—</a:t>
+            </a:r>
+          </a:p>
+          <a:p>
+            <a:r>
+              <a:rPr lang="en-US" dirty="0"/>
+              <a:t>Ever in joyful song!</a:t>
+            </a:r>
+          </a:p>
+        </p:txBody>
+      </p:sp>
+      <p:sp>
+        <p:nvSpPr>
+          <p:cNvPr id="5" name="TextBox 4">
+            <a:extLst>
+              <a:ext uri="{FF2B5EF4-FFF2-40B4-BE49-F238E27FC236}">
+                <a16:creationId xmlns:a16="http://schemas.microsoft.com/office/drawing/2014/main" id="{F022673B-7ABB-4BB3-8780-957D01F00DA0}"/>
+              </a:ext>
+            </a:extLst>
+          </p:cNvPr>
           <p:cNvSpPr txBox="1"/>
           <p:nvPr/>
         </p:nvSpPr>
         <p:spPr>
           <a:xfrm>
-            <a:off x="0" y="783210"/>
-            <a:ext cx="12192000" cy="3970318"/>
+            <a:off x="0" y="5927320"/>
+            <a:ext cx="12192000" cy="584775"/>
           </a:xfrm>
           <a:prstGeom prst="rect">
             <a:avLst/>
@@ -3286,98 +3323,27 @@
           <a:noFill/>
         </p:spPr>
         <p:txBody>
-          <a:bodyPr wrap="square" rtlCol="0">
+          <a:bodyPr wrap="square" rtlCol="0" anchor="ctr">
             <a:spAutoFit/>
           </a:bodyPr>
-          <a:lstStyle/>
-          <a:p>
-            <a:pPr algn="ctr"/>
-            <a:r>
-              <a:rPr lang="en-US" sz="3600" dirty="0">
+          <a:lstStyle>
+            <a:defPPr>
+              <a:defRPr lang="en-US"/>
+            </a:defPPr>
+            <a:lvl1pPr algn="ctr">
+              <a:defRPr sz="3200" u="sng">
                 <a:solidFill>
                   <a:schemeClr val="bg1"/>
                 </a:solidFill>
-              </a:rPr>
-              <a:t>Like a shepherd, Jesus </a:t>
-            </a:r>
-            <a:r>
-              <a:rPr lang="en-US" sz="3600">
-                <a:solidFill>
-                  <a:schemeClr val="bg1"/>
-                </a:solidFill>
-              </a:rPr>
-              <a:t>will guard </a:t>
-            </a:r>
-            <a:r>
-              <a:rPr lang="en-US" sz="3600" dirty="0">
-                <a:solidFill>
-                  <a:schemeClr val="bg1"/>
-                </a:solidFill>
-              </a:rPr>
-              <a:t>His children,</a:t>
-            </a:r>
-          </a:p>
-          <a:p>
-            <a:pPr algn="ctr"/>
-            <a:r>
-              <a:rPr lang="en-US" sz="3600" dirty="0">
-                <a:solidFill>
-                  <a:schemeClr val="bg1"/>
-                </a:solidFill>
-              </a:rPr>
-              <a:t>In His arms, He carries them all day long.</a:t>
-            </a:r>
-          </a:p>
-          <a:p>
-            <a:pPr algn="ctr"/>
-            <a:endParaRPr lang="en-US" sz="3600" dirty="0">
-              <a:solidFill>
-                <a:schemeClr val="bg1"/>
-              </a:solidFill>
-            </a:endParaRPr>
-          </a:p>
-          <a:p>
-            <a:pPr algn="ctr"/>
-            <a:r>
-              <a:rPr lang="en-US" sz="3600" dirty="0">
-                <a:solidFill>
-                  <a:schemeClr val="bg1"/>
-                </a:solidFill>
-              </a:rPr>
-              <a:t>Praise Him, Praise Him,</a:t>
-            </a:r>
-          </a:p>
-          <a:p>
-            <a:pPr algn="ctr"/>
-            <a:r>
-              <a:rPr lang="en-US" sz="3600" dirty="0">
-                <a:solidFill>
-                  <a:schemeClr val="bg1"/>
-                </a:solidFill>
-              </a:rPr>
-              <a:t>Tell of His excellent greatness;</a:t>
-            </a:r>
-          </a:p>
-          <a:p>
-            <a:pPr algn="ctr"/>
-            <a:r>
-              <a:rPr lang="en-US" sz="3600" dirty="0">
-                <a:solidFill>
-                  <a:schemeClr val="bg1"/>
-                </a:solidFill>
-              </a:rPr>
-              <a:t>Praise Him, Praise Him—</a:t>
-            </a:r>
-          </a:p>
-          <a:p>
-            <a:pPr algn="ctr"/>
-            <a:r>
-              <a:rPr lang="en-US" sz="3600" dirty="0">
-                <a:solidFill>
-                  <a:schemeClr val="bg1"/>
-                </a:solidFill>
-              </a:rPr>
-              <a:t>Ever in joyful song!</a:t>
+                <a:latin typeface="Assistant SemiBold" panose="00000700000000000000" pitchFamily="2" charset="-79"/>
+                <a:cs typeface="Assistant SemiBold" panose="00000700000000000000" pitchFamily="2" charset="-79"/>
+              </a:defRPr>
+            </a:lvl1pPr>
+          </a:lstStyle>
+          <a:p>
+            <a:r>
+              <a:rPr lang="en-US" dirty="0"/>
+              <a:t>“Praise Him, Praise Him”</a:t>
             </a:r>
           </a:p>
         </p:txBody>
@@ -3385,7 +3351,7 @@
     </p:spTree>
     <p:extLst>
       <p:ext uri="{BB962C8B-B14F-4D97-AF65-F5344CB8AC3E}">
-        <p14:creationId xmlns:p14="http://schemas.microsoft.com/office/powerpoint/2010/main" val="413337788"/>
+        <p14:creationId xmlns:p14="http://schemas.microsoft.com/office/powerpoint/2010/main" val="2181101873"/>
       </p:ext>
     </p:extLst>
   </p:cSld>
@@ -3471,14 +3437,14 @@
       </p:sp>
       <p:sp>
         <p:nvSpPr>
-          <p:cNvPr id="7" name="TextBox 6"/>
+          <p:cNvPr id="8" name="TextBox 7"/>
           <p:cNvSpPr txBox="1"/>
           <p:nvPr/>
         </p:nvSpPr>
         <p:spPr>
           <a:xfrm>
-            <a:off x="0" y="5804209"/>
-            <a:ext cx="12192000" cy="830997"/>
+            <a:off x="0" y="1179450"/>
+            <a:ext cx="12192000" cy="3108543"/>
           </a:xfrm>
           <a:prstGeom prst="rect">
             <a:avLst/>
@@ -3486,33 +3452,80 @@
           <a:noFill/>
         </p:spPr>
         <p:txBody>
-          <a:bodyPr wrap="square" rtlCol="0" anchor="ctr">
+          <a:bodyPr wrap="square" rtlCol="0">
             <a:spAutoFit/>
           </a:bodyPr>
-          <a:lstStyle/>
-          <a:p>
-            <a:pPr algn="ctr"/>
-            <a:r>
-              <a:rPr lang="en-US" sz="4800" dirty="0">
+          <a:lstStyle>
+            <a:defPPr>
+              <a:defRPr lang="en-US"/>
+            </a:defPPr>
+            <a:lvl1pPr algn="ctr">
+              <a:defRPr sz="2800" spc="50">
                 <a:solidFill>
                   <a:schemeClr val="bg1"/>
                 </a:solidFill>
-              </a:rPr>
-              <a:t>“Praise Him, Praise Him”</a:t>
-            </a:r>
-          </a:p>
-        </p:txBody>
-      </p:sp>
-      <p:sp>
-        <p:nvSpPr>
-          <p:cNvPr id="8" name="TextBox 7"/>
+                <a:latin typeface="Assistant" panose="00000500000000000000" pitchFamily="2" charset="-79"/>
+                <a:cs typeface="Assistant" panose="00000500000000000000" pitchFamily="2" charset="-79"/>
+              </a:defRPr>
+            </a:lvl1pPr>
+          </a:lstStyle>
+          <a:p>
+            <a:r>
+              <a:rPr lang="en-US" dirty="0"/>
+              <a:t>Praise Him, Praise Him,</a:t>
+            </a:r>
+          </a:p>
+          <a:p>
+            <a:r>
+              <a:rPr lang="en-US" dirty="0"/>
+              <a:t>Jesus our blessed Redeemer!</a:t>
+            </a:r>
+          </a:p>
+          <a:p>
+            <a:r>
+              <a:rPr lang="en-US" dirty="0"/>
+              <a:t>For our sins, He suffered and bled and died.</a:t>
+            </a:r>
+          </a:p>
+          <a:p>
+            <a:endParaRPr lang="en-US" dirty="0"/>
+          </a:p>
+          <a:p>
+            <a:r>
+              <a:rPr lang="en-US" dirty="0"/>
+              <a:t>He, our Rock, </a:t>
+            </a:r>
+          </a:p>
+          <a:p>
+            <a:r>
+              <a:rPr lang="en-US" dirty="0"/>
+              <a:t>our hope of eternal salvation;</a:t>
+            </a:r>
+          </a:p>
+          <a:p>
+            <a:r>
+              <a:rPr lang="en-US" dirty="0"/>
+              <a:t>Hail Him, Hail Him– Jesus the Crucified!</a:t>
+            </a:r>
+          </a:p>
+        </p:txBody>
+      </p:sp>
+      <p:sp>
+        <p:nvSpPr>
+          <p:cNvPr id="5" name="TextBox 4">
+            <a:extLst>
+              <a:ext uri="{FF2B5EF4-FFF2-40B4-BE49-F238E27FC236}">
+                <a16:creationId xmlns:a16="http://schemas.microsoft.com/office/drawing/2014/main" id="{42358DA8-B67C-4C1E-B80B-33934611BAAB}"/>
+              </a:ext>
+            </a:extLst>
+          </p:cNvPr>
           <p:cNvSpPr txBox="1"/>
           <p:nvPr/>
         </p:nvSpPr>
         <p:spPr>
           <a:xfrm>
-            <a:off x="0" y="783210"/>
-            <a:ext cx="12192000" cy="3970318"/>
+            <a:off x="0" y="5927320"/>
+            <a:ext cx="12192000" cy="584775"/>
           </a:xfrm>
           <a:prstGeom prst="rect">
             <a:avLst/>
@@ -3520,82 +3533,27 @@
           <a:noFill/>
         </p:spPr>
         <p:txBody>
-          <a:bodyPr wrap="square" rtlCol="0">
+          <a:bodyPr wrap="square" rtlCol="0" anchor="ctr">
             <a:spAutoFit/>
           </a:bodyPr>
-          <a:lstStyle/>
-          <a:p>
-            <a:pPr algn="ctr"/>
-            <a:r>
-              <a:rPr lang="en-US" sz="3600" dirty="0">
+          <a:lstStyle>
+            <a:defPPr>
+              <a:defRPr lang="en-US"/>
+            </a:defPPr>
+            <a:lvl1pPr algn="ctr">
+              <a:defRPr sz="3200" u="sng">
                 <a:solidFill>
                   <a:schemeClr val="bg1"/>
                 </a:solidFill>
-              </a:rPr>
-              <a:t>Praise Him, Praise Him,</a:t>
-            </a:r>
-          </a:p>
-          <a:p>
-            <a:pPr algn="ctr"/>
-            <a:r>
-              <a:rPr lang="en-US" sz="3600" dirty="0">
-                <a:solidFill>
-                  <a:schemeClr val="bg1"/>
-                </a:solidFill>
-              </a:rPr>
-              <a:t>Jesus our blessed Redeemer!</a:t>
-            </a:r>
-          </a:p>
-          <a:p>
-            <a:pPr algn="ctr"/>
-            <a:r>
-              <a:rPr lang="en-US" sz="3600" dirty="0">
-                <a:solidFill>
-                  <a:schemeClr val="bg1"/>
-                </a:solidFill>
-              </a:rPr>
-              <a:t>For our sins, He suffered and bled and died.</a:t>
-            </a:r>
-          </a:p>
-          <a:p>
-            <a:pPr algn="ctr"/>
-            <a:endParaRPr lang="en-US" sz="3600" dirty="0">
-              <a:solidFill>
-                <a:schemeClr val="bg1"/>
-              </a:solidFill>
-            </a:endParaRPr>
-          </a:p>
-          <a:p>
-            <a:pPr algn="ctr"/>
-            <a:r>
-              <a:rPr lang="en-US" sz="3600" dirty="0">
-                <a:solidFill>
-                  <a:schemeClr val="bg1"/>
-                </a:solidFill>
-              </a:rPr>
-              <a:t>He, our Rock, </a:t>
-            </a:r>
-          </a:p>
-          <a:p>
-            <a:pPr algn="ctr"/>
-            <a:r>
-              <a:rPr lang="en-US" sz="3600" dirty="0">
-                <a:solidFill>
-                  <a:schemeClr val="bg1"/>
-                </a:solidFill>
-              </a:rPr>
-              <a:t>our hope of eternal salvation;</a:t>
-            </a:r>
-          </a:p>
-          <a:p>
-            <a:pPr algn="ctr"/>
-            <a:r>
-              <a:rPr lang="en-US" sz="3600" dirty="0">
-                <a:solidFill>
-                  <a:schemeClr val="bg1"/>
-                </a:solidFill>
-              </a:rPr>
-              <a:t>Hail Him, Hail Him– Jesus the Crucified!</a:t>
+                <a:latin typeface="Assistant SemiBold" panose="00000700000000000000" pitchFamily="2" charset="-79"/>
+                <a:cs typeface="Assistant SemiBold" panose="00000700000000000000" pitchFamily="2" charset="-79"/>
+              </a:defRPr>
+            </a:lvl1pPr>
+          </a:lstStyle>
+          <a:p>
+            <a:r>
+              <a:rPr lang="en-US" dirty="0"/>
+              <a:t>“Praise Him, Praise Him”</a:t>
             </a:r>
           </a:p>
         </p:txBody>
@@ -3603,7 +3561,7 @@
     </p:spTree>
     <p:extLst>
       <p:ext uri="{BB962C8B-B14F-4D97-AF65-F5344CB8AC3E}">
-        <p14:creationId xmlns:p14="http://schemas.microsoft.com/office/powerpoint/2010/main" val="3966006836"/>
+        <p14:creationId xmlns:p14="http://schemas.microsoft.com/office/powerpoint/2010/main" val="1863940121"/>
       </p:ext>
     </p:extLst>
   </p:cSld>
@@ -3689,14 +3647,14 @@
       </p:sp>
       <p:sp>
         <p:nvSpPr>
-          <p:cNvPr id="7" name="TextBox 6"/>
+          <p:cNvPr id="8" name="TextBox 7"/>
           <p:cNvSpPr txBox="1"/>
           <p:nvPr/>
         </p:nvSpPr>
         <p:spPr>
           <a:xfrm>
-            <a:off x="0" y="5804209"/>
-            <a:ext cx="12192000" cy="830997"/>
+            <a:off x="0" y="1179450"/>
+            <a:ext cx="12192000" cy="3539430"/>
           </a:xfrm>
           <a:prstGeom prst="rect">
             <a:avLst/>
@@ -3704,33 +3662,86 @@
           <a:noFill/>
         </p:spPr>
         <p:txBody>
-          <a:bodyPr wrap="square" rtlCol="0" anchor="ctr">
+          <a:bodyPr wrap="square" rtlCol="0">
             <a:spAutoFit/>
           </a:bodyPr>
-          <a:lstStyle/>
-          <a:p>
-            <a:pPr algn="ctr"/>
-            <a:r>
-              <a:rPr lang="en-US" sz="4800" dirty="0">
+          <a:lstStyle>
+            <a:defPPr>
+              <a:defRPr lang="en-US"/>
+            </a:defPPr>
+            <a:lvl1pPr algn="ctr">
+              <a:defRPr sz="2800" spc="50">
                 <a:solidFill>
                   <a:schemeClr val="bg1"/>
                 </a:solidFill>
-              </a:rPr>
-              <a:t>“Praise Him, Praise Him”</a:t>
-            </a:r>
-          </a:p>
-        </p:txBody>
-      </p:sp>
-      <p:sp>
-        <p:nvSpPr>
-          <p:cNvPr id="8" name="TextBox 7"/>
+                <a:latin typeface="Assistant" panose="00000500000000000000" pitchFamily="2" charset="-79"/>
+                <a:cs typeface="Assistant" panose="00000500000000000000" pitchFamily="2" charset="-79"/>
+              </a:defRPr>
+            </a:lvl1pPr>
+          </a:lstStyle>
+          <a:p>
+            <a:r>
+              <a:rPr lang="en-US" dirty="0"/>
+              <a:t>Sound His praises!</a:t>
+            </a:r>
+          </a:p>
+          <a:p>
+            <a:r>
+              <a:rPr lang="en-US" dirty="0"/>
+              <a:t>Jesus who bore our sorrows,</a:t>
+            </a:r>
+          </a:p>
+          <a:p>
+            <a:r>
+              <a:rPr lang="en-US" dirty="0"/>
+              <a:t>Love unbounded, wonderful, deep, and strong.</a:t>
+            </a:r>
+          </a:p>
+          <a:p>
+            <a:endParaRPr lang="en-US" dirty="0"/>
+          </a:p>
+          <a:p>
+            <a:r>
+              <a:rPr lang="en-US" dirty="0"/>
+              <a:t>Praise Him, Praise Him,</a:t>
+            </a:r>
+          </a:p>
+          <a:p>
+            <a:r>
+              <a:rPr lang="en-US" dirty="0"/>
+              <a:t>Tell of His excellent greatness;</a:t>
+            </a:r>
+          </a:p>
+          <a:p>
+            <a:r>
+              <a:rPr lang="en-US" dirty="0"/>
+              <a:t>Praise Him, Praise Him—</a:t>
+            </a:r>
+          </a:p>
+          <a:p>
+            <a:r>
+              <a:rPr lang="en-US" dirty="0"/>
+              <a:t>Ever in joyful song!</a:t>
+            </a:r>
+          </a:p>
+        </p:txBody>
+      </p:sp>
+      <p:sp>
+        <p:nvSpPr>
+          <p:cNvPr id="5" name="TextBox 4">
+            <a:extLst>
+              <a:ext uri="{FF2B5EF4-FFF2-40B4-BE49-F238E27FC236}">
+                <a16:creationId xmlns:a16="http://schemas.microsoft.com/office/drawing/2014/main" id="{6C76D0AD-03B6-4FA6-9A10-B71F740C2C1B}"/>
+              </a:ext>
+            </a:extLst>
+          </p:cNvPr>
           <p:cNvSpPr txBox="1"/>
           <p:nvPr/>
         </p:nvSpPr>
         <p:spPr>
           <a:xfrm>
-            <a:off x="0" y="783210"/>
-            <a:ext cx="12192000" cy="4524315"/>
+            <a:off x="0" y="5927320"/>
+            <a:ext cx="12192000" cy="584775"/>
           </a:xfrm>
           <a:prstGeom prst="rect">
             <a:avLst/>
@@ -3738,93 +3749,27 @@
           <a:noFill/>
         </p:spPr>
         <p:txBody>
-          <a:bodyPr wrap="square" rtlCol="0">
+          <a:bodyPr wrap="square" rtlCol="0" anchor="ctr">
             <a:spAutoFit/>
           </a:bodyPr>
-          <a:lstStyle/>
-          <a:p>
-            <a:pPr algn="ctr"/>
-            <a:r>
-              <a:rPr lang="en-US" sz="3600" dirty="0">
+          <a:lstStyle>
+            <a:defPPr>
+              <a:defRPr lang="en-US"/>
+            </a:defPPr>
+            <a:lvl1pPr algn="ctr">
+              <a:defRPr sz="3200" u="sng">
                 <a:solidFill>
                   <a:schemeClr val="bg1"/>
                 </a:solidFill>
-              </a:rPr>
-              <a:t>Sound His praises!</a:t>
-            </a:r>
-          </a:p>
-          <a:p>
-            <a:pPr algn="ctr"/>
-            <a:r>
-              <a:rPr lang="en-US" sz="3600" dirty="0">
-                <a:solidFill>
-                  <a:schemeClr val="bg1"/>
-                </a:solidFill>
-              </a:rPr>
-              <a:t>Jesus who bore our sorrows,</a:t>
-            </a:r>
-          </a:p>
-          <a:p>
-            <a:pPr algn="ctr"/>
-            <a:r>
-              <a:rPr lang="en-US" sz="3600" dirty="0">
-                <a:solidFill>
-                  <a:schemeClr val="bg1"/>
-                </a:solidFill>
-              </a:rPr>
-              <a:t>Love unbounded, wonderful, deep, and strong.</a:t>
-            </a:r>
-          </a:p>
-          <a:p>
-            <a:pPr algn="ctr"/>
-            <a:endParaRPr lang="en-US" sz="3600" dirty="0">
-              <a:solidFill>
-                <a:schemeClr val="bg1"/>
-              </a:solidFill>
-            </a:endParaRPr>
-          </a:p>
-          <a:p>
-            <a:pPr algn="ctr"/>
-            <a:r>
-              <a:rPr lang="en-US" sz="3600" dirty="0">
-                <a:solidFill>
-                  <a:schemeClr val="bg1"/>
-                </a:solidFill>
-              </a:rPr>
-              <a:t>Praise Him, Praise Him,</a:t>
-            </a:r>
-          </a:p>
-          <a:p>
-            <a:pPr algn="ctr"/>
-            <a:r>
-              <a:rPr lang="en-US" sz="3600" dirty="0">
-                <a:solidFill>
-                  <a:schemeClr val="bg1"/>
-                </a:solidFill>
-              </a:rPr>
-              <a:t>Tell of His excellent greatness;</a:t>
-            </a:r>
-          </a:p>
-          <a:p>
-            <a:pPr algn="ctr"/>
-            <a:r>
-              <a:rPr lang="en-US" sz="3600" dirty="0">
-                <a:solidFill>
-                  <a:schemeClr val="bg1"/>
-                </a:solidFill>
-              </a:rPr>
-              <a:t>Praise Him, Praise Him—</a:t>
-            </a:r>
-          </a:p>
-          <a:p>
-            <a:pPr algn="ctr"/>
-            <a:r>
-              <a:rPr lang="en-US" sz="3600" dirty="0">
-                <a:solidFill>
-                  <a:schemeClr val="bg1"/>
-                </a:solidFill>
-              </a:rPr>
-              <a:t>Ever in joyful song!</a:t>
+                <a:latin typeface="Assistant SemiBold" panose="00000700000000000000" pitchFamily="2" charset="-79"/>
+                <a:cs typeface="Assistant SemiBold" panose="00000700000000000000" pitchFamily="2" charset="-79"/>
+              </a:defRPr>
+            </a:lvl1pPr>
+          </a:lstStyle>
+          <a:p>
+            <a:r>
+              <a:rPr lang="en-US" dirty="0"/>
+              <a:t>“Praise Him, Praise Him”</a:t>
             </a:r>
           </a:p>
         </p:txBody>
@@ -3832,7 +3777,7 @@
     </p:spTree>
     <p:extLst>
       <p:ext uri="{BB962C8B-B14F-4D97-AF65-F5344CB8AC3E}">
-        <p14:creationId xmlns:p14="http://schemas.microsoft.com/office/powerpoint/2010/main" val="3692832232"/>
+        <p14:creationId xmlns:p14="http://schemas.microsoft.com/office/powerpoint/2010/main" val="3374799438"/>
       </p:ext>
     </p:extLst>
   </p:cSld>
@@ -3918,14 +3863,14 @@
       </p:sp>
       <p:sp>
         <p:nvSpPr>
-          <p:cNvPr id="7" name="TextBox 6"/>
+          <p:cNvPr id="8" name="TextBox 7"/>
           <p:cNvSpPr txBox="1"/>
           <p:nvPr/>
         </p:nvSpPr>
         <p:spPr>
           <a:xfrm>
-            <a:off x="0" y="5804209"/>
-            <a:ext cx="12192000" cy="830997"/>
+            <a:off x="0" y="1179450"/>
+            <a:ext cx="12192000" cy="3108543"/>
           </a:xfrm>
           <a:prstGeom prst="rect">
             <a:avLst/>
@@ -3933,33 +3878,88 @@
           <a:noFill/>
         </p:spPr>
         <p:txBody>
-          <a:bodyPr wrap="square" rtlCol="0" anchor="ctr">
+          <a:bodyPr wrap="square" rtlCol="0">
             <a:spAutoFit/>
           </a:bodyPr>
-          <a:lstStyle/>
-          <a:p>
-            <a:pPr algn="ctr"/>
-            <a:r>
-              <a:rPr lang="en-US" sz="4800" dirty="0">
+          <a:lstStyle>
+            <a:defPPr>
+              <a:defRPr lang="en-US"/>
+            </a:defPPr>
+            <a:lvl1pPr algn="ctr">
+              <a:defRPr sz="2800" spc="50">
                 <a:solidFill>
                   <a:schemeClr val="bg1"/>
                 </a:solidFill>
-              </a:rPr>
-              <a:t>“Praise Him, Praise Him”</a:t>
-            </a:r>
-          </a:p>
-        </p:txBody>
-      </p:sp>
-      <p:sp>
-        <p:nvSpPr>
-          <p:cNvPr id="8" name="TextBox 7"/>
+                <a:latin typeface="Assistant" panose="00000500000000000000" pitchFamily="2" charset="-79"/>
+                <a:cs typeface="Assistant" panose="00000500000000000000" pitchFamily="2" charset="-79"/>
+              </a:defRPr>
+            </a:lvl1pPr>
+          </a:lstStyle>
+          <a:p>
+            <a:r>
+              <a:rPr lang="en-US" dirty="0"/>
+              <a:t>Praise Him, Praise Him,</a:t>
+            </a:r>
+          </a:p>
+          <a:p>
+            <a:r>
+              <a:rPr lang="en-US" dirty="0"/>
+              <a:t>Jesus our blessed Redeemer!</a:t>
+            </a:r>
+          </a:p>
+          <a:p>
+            <a:r>
+              <a:rPr lang="en-US" dirty="0"/>
+              <a:t>Heavenly portals loud with hosannas ring!</a:t>
+            </a:r>
+          </a:p>
+          <a:p>
+            <a:endParaRPr lang="en-US" dirty="0"/>
+          </a:p>
+          <a:p>
+            <a:r>
+              <a:rPr lang="en-US" dirty="0"/>
+              <a:t>Jesus, Savior, </a:t>
+            </a:r>
+            <a:r>
+              <a:rPr lang="en-US" dirty="0" err="1"/>
+              <a:t>reigneth</a:t>
+            </a:r>
+            <a:r>
+              <a:rPr lang="en-US" dirty="0"/>
+              <a:t> forever and ever;</a:t>
+            </a:r>
+          </a:p>
+          <a:p>
+            <a:r>
+              <a:rPr lang="en-US" dirty="0"/>
+              <a:t>Crown Him, Crown Him,</a:t>
+            </a:r>
+          </a:p>
+          <a:p>
+            <a:r>
+              <a:rPr lang="en-US" dirty="0"/>
+              <a:t>Prophet and Priest and King!</a:t>
+            </a:r>
+          </a:p>
+        </p:txBody>
+      </p:sp>
+      <p:sp>
+        <p:nvSpPr>
+          <p:cNvPr id="5" name="TextBox 4">
+            <a:extLst>
+              <a:ext uri="{FF2B5EF4-FFF2-40B4-BE49-F238E27FC236}">
+                <a16:creationId xmlns:a16="http://schemas.microsoft.com/office/drawing/2014/main" id="{517B7BF7-44CC-4E44-85BA-343E064CE9DD}"/>
+              </a:ext>
+            </a:extLst>
+          </p:cNvPr>
           <p:cNvSpPr txBox="1"/>
           <p:nvPr/>
         </p:nvSpPr>
         <p:spPr>
           <a:xfrm>
-            <a:off x="0" y="783210"/>
-            <a:ext cx="12192000" cy="3970318"/>
+            <a:off x="0" y="5927320"/>
+            <a:ext cx="12192000" cy="584775"/>
           </a:xfrm>
           <a:prstGeom prst="rect">
             <a:avLst/>
@@ -3967,82 +3967,27 @@
           <a:noFill/>
         </p:spPr>
         <p:txBody>
-          <a:bodyPr wrap="square" rtlCol="0">
+          <a:bodyPr wrap="square" rtlCol="0" anchor="ctr">
             <a:spAutoFit/>
           </a:bodyPr>
-          <a:lstStyle/>
-          <a:p>
-            <a:pPr algn="ctr"/>
-            <a:r>
-              <a:rPr lang="en-US" sz="3600" dirty="0">
+          <a:lstStyle>
+            <a:defPPr>
+              <a:defRPr lang="en-US"/>
+            </a:defPPr>
+            <a:lvl1pPr algn="ctr">
+              <a:defRPr sz="3200" u="sng">
                 <a:solidFill>
                   <a:schemeClr val="bg1"/>
                 </a:solidFill>
-              </a:rPr>
-              <a:t>Praise Him, Praise Him,</a:t>
-            </a:r>
-          </a:p>
-          <a:p>
-            <a:pPr algn="ctr"/>
-            <a:r>
-              <a:rPr lang="en-US" sz="3600" dirty="0">
-                <a:solidFill>
-                  <a:schemeClr val="bg1"/>
-                </a:solidFill>
-              </a:rPr>
-              <a:t>Jesus our blessed Redeemer!</a:t>
-            </a:r>
-          </a:p>
-          <a:p>
-            <a:pPr algn="ctr"/>
-            <a:r>
-              <a:rPr lang="en-US" sz="3600" dirty="0">
-                <a:solidFill>
-                  <a:schemeClr val="bg1"/>
-                </a:solidFill>
-              </a:rPr>
-              <a:t>Heavenly portals loud with hosannas ring!</a:t>
-            </a:r>
-          </a:p>
-          <a:p>
-            <a:pPr algn="ctr"/>
-            <a:endParaRPr lang="en-US" sz="3600" dirty="0">
-              <a:solidFill>
-                <a:schemeClr val="bg1"/>
-              </a:solidFill>
-            </a:endParaRPr>
-          </a:p>
-          <a:p>
-            <a:pPr algn="ctr"/>
-            <a:r>
-              <a:rPr lang="en-US" sz="3600" dirty="0">
-                <a:solidFill>
-                  <a:schemeClr val="bg1"/>
-                </a:solidFill>
-              </a:rPr>
-              <a:t>Jesus, Savior, reigneth forever and ever;</a:t>
-            </a:r>
-          </a:p>
-          <a:p>
-            <a:pPr algn="ctr"/>
-            <a:r>
-              <a:rPr lang="en-US" sz="3600" dirty="0">
-                <a:solidFill>
-                  <a:schemeClr val="bg1"/>
-                </a:solidFill>
-              </a:rPr>
-              <a:t>Crown Him, Crown Him,</a:t>
-            </a:r>
-          </a:p>
-          <a:p>
-            <a:pPr algn="ctr"/>
-            <a:r>
-              <a:rPr lang="en-US" sz="3600" dirty="0">
-                <a:solidFill>
-                  <a:schemeClr val="bg1"/>
-                </a:solidFill>
-              </a:rPr>
-              <a:t>Prophet and Priest and King!</a:t>
+                <a:latin typeface="Assistant SemiBold" panose="00000700000000000000" pitchFamily="2" charset="-79"/>
+                <a:cs typeface="Assistant SemiBold" panose="00000700000000000000" pitchFamily="2" charset="-79"/>
+              </a:defRPr>
+            </a:lvl1pPr>
+          </a:lstStyle>
+          <a:p>
+            <a:r>
+              <a:rPr lang="en-US" dirty="0"/>
+              <a:t>“Praise Him, Praise Him”</a:t>
             </a:r>
           </a:p>
         </p:txBody>
@@ -4050,7 +3995,7 @@
     </p:spTree>
     <p:extLst>
       <p:ext uri="{BB962C8B-B14F-4D97-AF65-F5344CB8AC3E}">
-        <p14:creationId xmlns:p14="http://schemas.microsoft.com/office/powerpoint/2010/main" val="4239247367"/>
+        <p14:creationId xmlns:p14="http://schemas.microsoft.com/office/powerpoint/2010/main" val="2452936426"/>
       </p:ext>
     </p:extLst>
   </p:cSld>
@@ -4154,15 +4099,23 @@
           <a:bodyPr wrap="square" rtlCol="0" anchor="ctr">
             <a:spAutoFit/>
           </a:bodyPr>
-          <a:lstStyle/>
-          <a:p>
-            <a:pPr algn="ctr"/>
-            <a:r>
-              <a:rPr lang="en-US" sz="4800" dirty="0">
+          <a:lstStyle>
+            <a:defPPr>
+              <a:defRPr lang="en-US"/>
+            </a:defPPr>
+            <a:lvl1pPr algn="ctr">
+              <a:defRPr sz="3200" u="sng">
                 <a:solidFill>
                   <a:schemeClr val="bg1"/>
                 </a:solidFill>
-              </a:rPr>
+                <a:latin typeface="Assistant SemiBold" panose="00000700000000000000" pitchFamily="2" charset="-79"/>
+                <a:cs typeface="Assistant SemiBold" panose="00000700000000000000" pitchFamily="2" charset="-79"/>
+              </a:defRPr>
+            </a:lvl1pPr>
+          </a:lstStyle>
+          <a:p>
+            <a:r>
+              <a:rPr lang="en-US" dirty="0"/>
               <a:t>“Praise Him, Praise Him”</a:t>
             </a:r>
           </a:p>
@@ -4176,8 +4129,8 @@
         </p:nvSpPr>
         <p:spPr>
           <a:xfrm>
-            <a:off x="0" y="783210"/>
-            <a:ext cx="12192000" cy="4524315"/>
+            <a:off x="0" y="1179450"/>
+            <a:ext cx="12192000" cy="3539430"/>
           </a:xfrm>
           <a:prstGeom prst="rect">
             <a:avLst/>
@@ -4188,89 +4141,62 @@
           <a:bodyPr wrap="square" rtlCol="0">
             <a:spAutoFit/>
           </a:bodyPr>
-          <a:lstStyle/>
-          <a:p>
-            <a:pPr algn="ctr"/>
-            <a:r>
-              <a:rPr lang="en-US" sz="3600" dirty="0">
+          <a:lstStyle>
+            <a:defPPr>
+              <a:defRPr lang="en-US"/>
+            </a:defPPr>
+            <a:lvl1pPr algn="ctr">
+              <a:defRPr sz="2800" spc="50">
                 <a:solidFill>
                   <a:schemeClr val="bg1"/>
                 </a:solidFill>
-              </a:rPr>
+                <a:latin typeface="Assistant" panose="00000500000000000000" pitchFamily="2" charset="-79"/>
+                <a:cs typeface="Assistant" panose="00000500000000000000" pitchFamily="2" charset="-79"/>
+              </a:defRPr>
+            </a:lvl1pPr>
+          </a:lstStyle>
+          <a:p>
+            <a:r>
+              <a:rPr lang="en-US" dirty="0"/>
               <a:t>Christ is coming</a:t>
             </a:r>
           </a:p>
           <a:p>
-            <a:pPr algn="ctr"/>
-            <a:r>
-              <a:rPr lang="en-US" sz="3600" dirty="0">
-                <a:solidFill>
-                  <a:schemeClr val="bg1"/>
-                </a:solidFill>
-              </a:rPr>
+            <a:r>
+              <a:rPr lang="en-US" dirty="0"/>
               <a:t>over the world victorious,</a:t>
             </a:r>
           </a:p>
           <a:p>
-            <a:pPr algn="ctr"/>
-            <a:r>
-              <a:rPr lang="en-US" sz="3600" dirty="0">
-                <a:solidFill>
-                  <a:schemeClr val="bg1"/>
-                </a:solidFill>
-              </a:rPr>
+            <a:r>
+              <a:rPr lang="en-US" dirty="0"/>
               <a:t>Power and glory unto the Lord belong!</a:t>
             </a:r>
           </a:p>
           <a:p>
-            <a:pPr algn="ctr"/>
-            <a:endParaRPr lang="en-US" sz="3600" dirty="0">
-              <a:solidFill>
-                <a:schemeClr val="bg1"/>
-              </a:solidFill>
-            </a:endParaRPr>
-          </a:p>
-          <a:p>
-            <a:pPr algn="ctr"/>
-            <a:r>
-              <a:rPr lang="en-US" sz="3600" dirty="0">
-                <a:solidFill>
-                  <a:schemeClr val="bg1"/>
-                </a:solidFill>
-              </a:rPr>
+            <a:endParaRPr lang="en-US" dirty="0"/>
+          </a:p>
+          <a:p>
+            <a:r>
+              <a:rPr lang="en-US" dirty="0"/>
               <a:t>Praise Him, Praise Him,</a:t>
             </a:r>
           </a:p>
           <a:p>
-            <a:pPr algn="ctr"/>
-            <a:r>
-              <a:rPr lang="en-US" sz="3600" dirty="0">
-                <a:solidFill>
-                  <a:schemeClr val="bg1"/>
-                </a:solidFill>
-              </a:rPr>
+            <a:r>
+              <a:rPr lang="en-US" dirty="0"/>
               <a:t>Tell of His excellent greatness;</a:t>
             </a:r>
           </a:p>
           <a:p>
-            <a:pPr algn="ctr"/>
-            <a:r>
-              <a:rPr lang="en-US" sz="3600" dirty="0">
-                <a:solidFill>
-                  <a:schemeClr val="bg1"/>
-                </a:solidFill>
-              </a:rPr>
+            <a:r>
+              <a:rPr lang="en-US" dirty="0"/>
               <a:t>Praise Him, Praise Him—</a:t>
             </a:r>
           </a:p>
           <a:p>
-            <a:pPr algn="ctr"/>
-            <a:r>
-              <a:rPr lang="en-US" sz="3600" dirty="0">
-                <a:solidFill>
-                  <a:schemeClr val="bg1"/>
-                </a:solidFill>
-              </a:rPr>
+            <a:r>
+              <a:rPr lang="en-US" dirty="0"/>
               <a:t>Ever in joyful song!</a:t>
             </a:r>
           </a:p>
@@ -4279,7 +4205,7 @@
     </p:spTree>
     <p:extLst>
       <p:ext uri="{BB962C8B-B14F-4D97-AF65-F5344CB8AC3E}">
-        <p14:creationId xmlns:p14="http://schemas.microsoft.com/office/powerpoint/2010/main" val="263433471"/>
+        <p14:creationId xmlns:p14="http://schemas.microsoft.com/office/powerpoint/2010/main" val="1339095919"/>
       </p:ext>
     </p:extLst>
   </p:cSld>
